--- a/RavenDB - prezentacja.pptx
+++ b/RavenDB - prezentacja.pptx
@@ -9,6 +9,7 @@
     <p:sldId id="257" r:id="rId3"/>
     <p:sldId id="258" r:id="rId4"/>
     <p:sldId id="259" r:id="rId5"/>
+    <p:sldId id="260" r:id="rId6"/>
   </p:sldIdLst>
   <p:sldSz cx="9144000" cy="6858000" type="screen4x3"/>
   <p:notesSz cx="6858000" cy="9144000"/>
@@ -107,6 +108,22 @@
       </a:defRPr>
     </a:lvl9pPr>
   </p:defaultTextStyle>
+  <p:extLst>
+    <p:ext uri="{EFAFB233-063F-42B5-8137-9DF3F51BA10A}">
+      <p15:sldGuideLst xmlns:p15="http://schemas.microsoft.com/office/powerpoint/2012/main">
+        <p15:guide id="1" orient="horz" pos="2160">
+          <p15:clr>
+            <a:srgbClr val="A4A3A4"/>
+          </p15:clr>
+        </p15:guide>
+        <p15:guide id="2" pos="2880">
+          <p15:clr>
+            <a:srgbClr val="A4A3A4"/>
+          </p15:clr>
+        </p15:guide>
+      </p15:sldGuideLst>
+    </p:ext>
+  </p:extLst>
 </p:presentation>
 </file>
 
@@ -330,7 +347,7 @@
             <a:fld id="{1D29B5F8-105E-4DB8-96E3-35390C1717C6}" type="datetimeFigureOut">
               <a:rPr lang="pl-PL" smtClean="0"/>
               <a:pPr/>
-              <a:t>2018-06-11</a:t>
+              <a:t>12.06.2018</a:t>
             </a:fld>
             <a:endParaRPr lang="pl-PL"/>
           </a:p>
@@ -519,7 +536,7 @@
             <a:fld id="{1D29B5F8-105E-4DB8-96E3-35390C1717C6}" type="datetimeFigureOut">
               <a:rPr lang="pl-PL" smtClean="0"/>
               <a:pPr/>
-              <a:t>2018-06-11</a:t>
+              <a:t>12.06.2018</a:t>
             </a:fld>
             <a:endParaRPr lang="pl-PL"/>
           </a:p>
@@ -696,7 +713,7 @@
             <a:fld id="{1D29B5F8-105E-4DB8-96E3-35390C1717C6}" type="datetimeFigureOut">
               <a:rPr lang="pl-PL" smtClean="0"/>
               <a:pPr/>
-              <a:t>2018-06-11</a:t>
+              <a:t>12.06.2018</a:t>
             </a:fld>
             <a:endParaRPr lang="pl-PL"/>
           </a:p>
@@ -878,7 +895,7 @@
             <a:fld id="{1D29B5F8-105E-4DB8-96E3-35390C1717C6}" type="datetimeFigureOut">
               <a:rPr lang="pl-PL" smtClean="0"/>
               <a:pPr/>
-              <a:t>2018-06-11</a:t>
+              <a:t>12.06.2018</a:t>
             </a:fld>
             <a:endParaRPr lang="pl-PL"/>
           </a:p>
@@ -1127,7 +1144,7 @@
             <a:fld id="{1D29B5F8-105E-4DB8-96E3-35390C1717C6}" type="datetimeFigureOut">
               <a:rPr lang="pl-PL" smtClean="0"/>
               <a:pPr/>
-              <a:t>2018-06-11</a:t>
+              <a:t>12.06.2018</a:t>
             </a:fld>
             <a:endParaRPr lang="pl-PL"/>
           </a:p>
@@ -1603,7 +1620,7 @@
             <a:fld id="{1D29B5F8-105E-4DB8-96E3-35390C1717C6}" type="datetimeFigureOut">
               <a:rPr lang="pl-PL" smtClean="0"/>
               <a:pPr/>
-              <a:t>2018-06-11</a:t>
+              <a:t>12.06.2018</a:t>
             </a:fld>
             <a:endParaRPr lang="pl-PL"/>
           </a:p>
@@ -2020,7 +2037,7 @@
             <a:fld id="{1D29B5F8-105E-4DB8-96E3-35390C1717C6}" type="datetimeFigureOut">
               <a:rPr lang="pl-PL" smtClean="0"/>
               <a:pPr/>
-              <a:t>2018-06-11</a:t>
+              <a:t>12.06.2018</a:t>
             </a:fld>
             <a:endParaRPr lang="pl-PL"/>
           </a:p>
@@ -2153,7 +2170,7 @@
             <a:fld id="{1D29B5F8-105E-4DB8-96E3-35390C1717C6}" type="datetimeFigureOut">
               <a:rPr lang="pl-PL" smtClean="0"/>
               <a:pPr/>
-              <a:t>2018-06-11</a:t>
+              <a:t>12.06.2018</a:t>
             </a:fld>
             <a:endParaRPr lang="pl-PL"/>
           </a:p>
@@ -2250,7 +2267,7 @@
             <a:fld id="{1D29B5F8-105E-4DB8-96E3-35390C1717C6}" type="datetimeFigureOut">
               <a:rPr lang="pl-PL" smtClean="0"/>
               <a:pPr/>
-              <a:t>2018-06-11</a:t>
+              <a:t>12.06.2018</a:t>
             </a:fld>
             <a:endParaRPr lang="pl-PL"/>
           </a:p>
@@ -2530,7 +2547,7 @@
             <a:fld id="{1D29B5F8-105E-4DB8-96E3-35390C1717C6}" type="datetimeFigureOut">
               <a:rPr lang="pl-PL" smtClean="0"/>
               <a:pPr/>
-              <a:t>2018-06-11</a:t>
+              <a:t>12.06.2018</a:t>
             </a:fld>
             <a:endParaRPr lang="pl-PL"/>
           </a:p>
@@ -2784,7 +2801,7 @@
             <a:fld id="{1D29B5F8-105E-4DB8-96E3-35390C1717C6}" type="datetimeFigureOut">
               <a:rPr lang="pl-PL" smtClean="0"/>
               <a:pPr/>
-              <a:t>2018-06-11</a:t>
+              <a:t>12.06.2018</a:t>
             </a:fld>
             <a:endParaRPr lang="pl-PL"/>
           </a:p>
@@ -3158,7 +3175,7 @@
             <a:fld id="{1D29B5F8-105E-4DB8-96E3-35390C1717C6}" type="datetimeFigureOut">
               <a:rPr lang="pl-PL" smtClean="0"/>
               <a:pPr/>
-              <a:t>2018-06-11</a:t>
+              <a:t>12.06.2018</a:t>
             </a:fld>
             <a:endParaRPr lang="pl-PL"/>
           </a:p>
@@ -3640,6 +3657,13 @@
   <p:clrMapOvr>
     <a:masterClrMapping/>
   </p:clrMapOvr>
+  <p:timing>
+    <p:tnLst>
+      <p:par>
+        <p:cTn id="1" dur="indefinite" restart="never" nodeType="tmRoot"/>
+      </p:par>
+    </p:tnLst>
+  </p:timing>
 </p:sld>
 </file>
 
@@ -3707,40 +3731,75 @@
               <a:t> to </a:t>
             </a:r>
             <a:r>
+              <a:rPr lang="pl-PL" dirty="0" smtClean="0"/>
+              <a:t>baza </a:t>
+            </a:r>
+            <a:r>
+              <a:rPr lang="pl-PL" dirty="0" smtClean="0"/>
+              <a:t>danych zorientowana na dokumenty</a:t>
+            </a:r>
+            <a:r>
+              <a:rPr lang="pl-PL" dirty="0" smtClean="0"/>
+              <a:t>.</a:t>
+            </a:r>
+          </a:p>
+          <a:p>
+            <a:r>
+              <a:rPr lang="pl-PL" dirty="0" smtClean="0"/>
+              <a:t>Występuje w trzech rodzajach licencji:</a:t>
+            </a:r>
+          </a:p>
+          <a:p>
+            <a:pPr lvl="1">
+              <a:buFont typeface="Wingdings" panose="05000000000000000000" pitchFamily="2" charset="2"/>
+              <a:buChar char="§"/>
+            </a:pPr>
+            <a:r>
               <a:rPr lang="pl-PL" dirty="0" err="1" smtClean="0"/>
-              <a:t>opensourcowa</a:t>
+              <a:t>Comunnity</a:t>
             </a:r>
             <a:r>
               <a:rPr lang="pl-PL" dirty="0" smtClean="0"/>
-              <a:t> baza danych </a:t>
-            </a:r>
+              <a:t>- wersja darmowa</a:t>
+            </a:r>
+          </a:p>
+          <a:p>
+            <a:pPr lvl="1">
+              <a:buFont typeface="Wingdings" panose="05000000000000000000" pitchFamily="2" charset="2"/>
+              <a:buChar char="§"/>
+            </a:pPr>
             <a:r>
               <a:rPr lang="pl-PL" dirty="0" smtClean="0"/>
-              <a:t>zorientowana na dokumenty.</a:t>
-            </a:r>
+              <a:t>Professional</a:t>
+            </a:r>
+          </a:p>
+          <a:p>
+            <a:pPr lvl="1">
+              <a:buFont typeface="Wingdings" panose="05000000000000000000" pitchFamily="2" charset="2"/>
+              <a:buChar char="§"/>
+            </a:pPr>
+            <a:r>
+              <a:rPr lang="pl-PL" dirty="0" err="1" smtClean="0"/>
+              <a:t>Enterprice</a:t>
+            </a:r>
+            <a:endParaRPr lang="pl-PL" dirty="0" smtClean="0"/>
           </a:p>
           <a:p>
             <a:r>
               <a:rPr lang="pl-PL" dirty="0" smtClean="0"/>
-              <a:t>Została stworzona </a:t>
+              <a:t>Jest </a:t>
             </a:r>
             <a:r>
               <a:rPr lang="pl-PL" dirty="0" smtClean="0"/>
-              <a:t>pod </a:t>
+              <a:t>to baza </a:t>
+            </a:r>
+            <a:r>
+              <a:rPr lang="pl-PL" dirty="0" err="1" smtClean="0"/>
+              <a:t>NoSQL</a:t>
             </a:r>
             <a:r>
               <a:rPr lang="pl-PL" dirty="0" smtClean="0"/>
-              <a:t>platformę .NET.</a:t>
-            </a:r>
-          </a:p>
-          <a:p>
-            <a:r>
-              <a:rPr lang="pl-PL" dirty="0" smtClean="0"/>
-              <a:t>Jest to baza </a:t>
-            </a:r>
-            <a:r>
-              <a:rPr lang="pl-PL" smtClean="0"/>
-              <a:t>NoSQL-owa</a:t>
+              <a:t>-owa</a:t>
             </a:r>
             <a:endParaRPr lang="pl-PL" dirty="0"/>
           </a:p>
@@ -3751,6 +3810,13 @@
   <p:clrMapOvr>
     <a:masterClrMapping/>
   </p:clrMapOvr>
+  <p:timing>
+    <p:tnLst>
+      <p:par>
+        <p:cTn id="1" dur="indefinite" restart="never" nodeType="tmRoot"/>
+      </p:par>
+    </p:tnLst>
+  </p:timing>
 </p:sld>
 </file>
 
@@ -3773,7 +3839,7 @@
       </p:grpSpPr>
       <p:sp>
         <p:nvSpPr>
-          <p:cNvPr id="2" name="Tytuł 1"/>
+          <p:cNvPr id="4" name="Tytuł 3"/>
           <p:cNvSpPr>
             <a:spLocks noGrp="1"/>
           </p:cNvSpPr>
@@ -3781,31 +3847,173 @@
             <p:ph type="title"/>
           </p:nvPr>
         </p:nvSpPr>
+        <p:spPr>
+          <a:xfrm>
+            <a:off x="323528" y="267494"/>
+            <a:ext cx="8363272" cy="1399032"/>
+          </a:xfrm>
+        </p:spPr>
+        <p:txBody>
+          <a:bodyPr/>
+          <a:lstStyle/>
+          <a:p>
+            <a:r>
+              <a:rPr lang="pl-PL" dirty="0" err="1" smtClean="0"/>
+              <a:t>Multiplatformowa</a:t>
+            </a:r>
+            <a:r>
+              <a:rPr lang="pl-PL" dirty="0" smtClean="0"/>
+              <a:t> Baza Danych</a:t>
+            </a:r>
+            <a:endParaRPr lang="pl-PL" dirty="0"/>
+          </a:p>
+        </p:txBody>
+      </p:sp>
+      <p:sp>
+        <p:nvSpPr>
+          <p:cNvPr id="5" name="Symbol zastępczy zawartości 4"/>
+          <p:cNvSpPr>
+            <a:spLocks noGrp="1"/>
+          </p:cNvSpPr>
+          <p:nvPr>
+            <p:ph sz="half" idx="1"/>
+          </p:nvPr>
+        </p:nvSpPr>
         <p:spPr/>
         <p:txBody>
           <a:bodyPr/>
           <a:lstStyle/>
           <a:p>
+            <a:pPr marL="64008" indent="0">
+              <a:buNone/>
+            </a:pPr>
+            <a:r>
+              <a:rPr lang="pl-PL" dirty="0" smtClean="0">
+                <a:solidFill>
+                  <a:schemeClr val="accent2">
+                    <a:lumMod val="60000"/>
+                    <a:lumOff val="40000"/>
+                  </a:schemeClr>
+                </a:solidFill>
+              </a:rPr>
+              <a:t>Systems</a:t>
+            </a:r>
+          </a:p>
+          <a:p>
+            <a:r>
+              <a:rPr lang="pl-PL" dirty="0" smtClean="0"/>
+              <a:t>Windows</a:t>
+            </a:r>
+          </a:p>
+          <a:p>
+            <a:r>
+              <a:rPr lang="pl-PL" dirty="0" smtClean="0"/>
+              <a:t>Linux</a:t>
+            </a:r>
+          </a:p>
+          <a:p>
+            <a:r>
+              <a:rPr lang="pl-PL" dirty="0" smtClean="0"/>
+              <a:t>Mac OS</a:t>
+            </a:r>
+          </a:p>
+          <a:p>
+            <a:r>
+              <a:rPr lang="pl-PL" dirty="0" smtClean="0"/>
+              <a:t>Docker</a:t>
+            </a:r>
+          </a:p>
+          <a:p>
+            <a:pPr marL="64008" indent="0">
+              <a:buNone/>
+            </a:pPr>
+            <a:endParaRPr lang="pl-PL" dirty="0">
+              <a:solidFill>
+                <a:schemeClr val="accent2">
+                  <a:lumMod val="60000"/>
+                  <a:lumOff val="40000"/>
+                </a:schemeClr>
+              </a:solidFill>
+            </a:endParaRPr>
+          </a:p>
+        </p:txBody>
+      </p:sp>
+      <p:sp>
+        <p:nvSpPr>
+          <p:cNvPr id="6" name="Symbol zastępczy zawartości 5"/>
+          <p:cNvSpPr>
+            <a:spLocks noGrp="1"/>
+          </p:cNvSpPr>
+          <p:nvPr>
+            <p:ph sz="half" idx="2"/>
+          </p:nvPr>
+        </p:nvSpPr>
+        <p:spPr/>
+        <p:txBody>
+          <a:bodyPr/>
+          <a:lstStyle/>
+          <a:p>
+            <a:pPr marL="64008" indent="0">
+              <a:buNone/>
+            </a:pPr>
+            <a:r>
+              <a:rPr lang="pl-PL" dirty="0" err="1" smtClean="0">
+                <a:solidFill>
+                  <a:schemeClr val="accent2">
+                    <a:lumMod val="60000"/>
+                    <a:lumOff val="40000"/>
+                  </a:schemeClr>
+                </a:solidFill>
+              </a:rPr>
+              <a:t>Clients</a:t>
+            </a:r>
+            <a:endParaRPr lang="pl-PL" dirty="0" smtClean="0">
+              <a:solidFill>
+                <a:schemeClr val="accent2">
+                  <a:lumMod val="60000"/>
+                  <a:lumOff val="40000"/>
+                </a:schemeClr>
+              </a:solidFill>
+            </a:endParaRPr>
+          </a:p>
+          <a:p>
+            <a:r>
+              <a:rPr lang="pl-PL" dirty="0" smtClean="0"/>
+              <a:t>C#</a:t>
+            </a:r>
+          </a:p>
+          <a:p>
+            <a:r>
+              <a:rPr lang="pl-PL" dirty="0" smtClean="0"/>
+              <a:t>Java</a:t>
+            </a:r>
+          </a:p>
+          <a:p>
+            <a:r>
+              <a:rPr lang="pl-PL" dirty="0" smtClean="0"/>
+              <a:t>Node.js</a:t>
+            </a:r>
+          </a:p>
+          <a:p>
+            <a:r>
+              <a:rPr lang="pl-PL" dirty="0" err="1" smtClean="0"/>
+              <a:t>Python</a:t>
+            </a:r>
             <a:endParaRPr lang="pl-PL" dirty="0"/>
           </a:p>
-        </p:txBody>
-      </p:sp>
-      <p:sp>
-        <p:nvSpPr>
-          <p:cNvPr id="3" name="Symbol zastępczy zawartości 2"/>
-          <p:cNvSpPr>
-            <a:spLocks noGrp="1"/>
-          </p:cNvSpPr>
-          <p:nvPr>
-            <p:ph idx="1"/>
-          </p:nvPr>
-        </p:nvSpPr>
-        <p:spPr/>
-        <p:txBody>
-          <a:bodyPr/>
-          <a:lstStyle/>
-          <a:p>
-            <a:endParaRPr lang="pl-PL"/>
+          <a:p>
+            <a:r>
+              <a:rPr lang="pl-PL" dirty="0" err="1" smtClean="0"/>
+              <a:t>Ruby</a:t>
+            </a:r>
+            <a:endParaRPr lang="pl-PL" dirty="0"/>
+          </a:p>
+          <a:p>
+            <a:r>
+              <a:rPr lang="pl-PL" dirty="0" smtClean="0"/>
+              <a:t>Go</a:t>
+            </a:r>
+            <a:endParaRPr lang="pl-PL" dirty="0"/>
           </a:p>
         </p:txBody>
       </p:sp>
@@ -3814,6 +4022,13 @@
   <p:clrMapOvr>
     <a:masterClrMapping/>
   </p:clrMapOvr>
+  <p:timing>
+    <p:tnLst>
+      <p:par>
+        <p:cTn id="1" dur="indefinite" restart="never" nodeType="tmRoot"/>
+      </p:par>
+    </p:tnLst>
+  </p:timing>
 </p:sld>
 </file>
 
@@ -3912,15 +4127,7 @@
             </a:r>
             <a:r>
               <a:rPr lang="pl-PL" sz="2100" dirty="0" smtClean="0"/>
-              <a:t> = "http://localhost:8080"</a:t>
-            </a:r>
-            <a:r>
-              <a:rPr lang="pl-PL" sz="2100" dirty="0" smtClean="0"/>
-              <a:t> </a:t>
-            </a:r>
-            <a:r>
-              <a:rPr lang="pl-PL" sz="2100" dirty="0" smtClean="0"/>
-              <a:t>}.</a:t>
+              <a:t> = "http://localhost:8080" }.</a:t>
             </a:r>
             <a:r>
               <a:rPr lang="pl-PL" sz="2100" dirty="0" err="1" smtClean="0"/>
@@ -3928,7 +4135,18 @@
             </a:r>
             <a:r>
               <a:rPr lang="pl-PL" sz="2100" dirty="0" smtClean="0"/>
-              <a:t>() – inicjacja dokumentu</a:t>
+              <a:t>() – </a:t>
+            </a:r>
+            <a:r>
+              <a:rPr lang="pl-PL" sz="2100" dirty="0" smtClean="0">
+                <a:solidFill>
+                  <a:schemeClr val="accent4">
+                    <a:lumMod val="20000"/>
+                    <a:lumOff val="80000"/>
+                  </a:schemeClr>
+                </a:solidFill>
+              </a:rPr>
+              <a:t>inicjacja dokumentu</a:t>
             </a:r>
           </a:p>
           <a:p>
@@ -3938,7 +4156,18 @@
             </a:r>
             <a:r>
               <a:rPr lang="pl-PL" sz="2100" dirty="0" smtClean="0"/>
-              <a:t>(„nazwa bazy danych”) – inicjacja sesji z podaną bazą</a:t>
+              <a:t>(„nazwa bazy danych”) – </a:t>
+            </a:r>
+            <a:r>
+              <a:rPr lang="pl-PL" sz="2100" dirty="0" smtClean="0">
+                <a:solidFill>
+                  <a:schemeClr val="accent4">
+                    <a:lumMod val="20000"/>
+                    <a:lumOff val="80000"/>
+                  </a:schemeClr>
+                </a:solidFill>
+              </a:rPr>
+              <a:t>inicjacja sesji z podaną bazą</a:t>
             </a:r>
           </a:p>
           <a:p>
@@ -3948,7 +4177,18 @@
             </a:r>
             <a:r>
               <a:rPr lang="pl-PL" sz="2100" dirty="0" smtClean="0"/>
-              <a:t>(obiekt) – umieszczenie obiektu w bazie danych</a:t>
+              <a:t>(obiekt) – </a:t>
+            </a:r>
+            <a:r>
+              <a:rPr lang="pl-PL" sz="2100" dirty="0" smtClean="0">
+                <a:solidFill>
+                  <a:schemeClr val="accent4">
+                    <a:lumMod val="20000"/>
+                    <a:lumOff val="80000"/>
+                  </a:schemeClr>
+                </a:solidFill>
+              </a:rPr>
+              <a:t>umieszczenie obiektu w bazie danych</a:t>
             </a:r>
           </a:p>
           <a:p>
@@ -3958,7 +4198,18 @@
             </a:r>
             <a:r>
               <a:rPr lang="pl-PL" sz="2100" dirty="0" smtClean="0"/>
-              <a:t>() – zapis wszystkich zmian dokonanych w bazie danych</a:t>
+              <a:t>() – </a:t>
+            </a:r>
+            <a:r>
+              <a:rPr lang="pl-PL" sz="2100" dirty="0" smtClean="0">
+                <a:solidFill>
+                  <a:schemeClr val="accent4">
+                    <a:lumMod val="20000"/>
+                    <a:lumOff val="80000"/>
+                  </a:schemeClr>
+                </a:solidFill>
+              </a:rPr>
+              <a:t>zapis wszystkich zmian dokonanych w bazie danych</a:t>
             </a:r>
           </a:p>
           <a:p>
@@ -3968,15 +4219,18 @@
             </a:r>
             <a:r>
               <a:rPr lang="pl-PL" sz="2100" dirty="0" smtClean="0"/>
-              <a:t> obiektu&gt;(</a:t>
-            </a:r>
-            <a:r>
-              <a:rPr lang="pl-PL" sz="2100" dirty="0" smtClean="0"/>
-              <a:t>id</a:t>
-            </a:r>
-            <a:r>
-              <a:rPr lang="pl-PL" sz="2100" dirty="0" smtClean="0"/>
-              <a:t>) – wczytanie konkretnego obiektu z bazy danych</a:t>
+              <a:t> obiektu&gt;(id) – </a:t>
+            </a:r>
+            <a:r>
+              <a:rPr lang="pl-PL" sz="2100" dirty="0" smtClean="0">
+                <a:solidFill>
+                  <a:schemeClr val="accent4">
+                    <a:lumMod val="20000"/>
+                    <a:lumOff val="80000"/>
+                  </a:schemeClr>
+                </a:solidFill>
+              </a:rPr>
+              <a:t>wczytanie konkretnego obiektu z bazy danych</a:t>
             </a:r>
           </a:p>
           <a:p>
@@ -3986,7 +4240,22 @@
             </a:r>
             <a:r>
               <a:rPr lang="pl-PL" sz="2100" dirty="0" smtClean="0"/>
-              <a:t>(obiekt) – usunięcie danego obiektu z bazy danych</a:t>
+              <a:t>(obiekt) – </a:t>
+            </a:r>
+            <a:r>
+              <a:rPr lang="pl-PL" sz="2100" dirty="0" smtClean="0">
+                <a:solidFill>
+                  <a:schemeClr val="accent4">
+                    <a:lumMod val="20000"/>
+                    <a:lumOff val="80000"/>
+                  </a:schemeClr>
+                </a:solidFill>
+              </a:rPr>
+              <a:t>usunięcie danego obiektu z bazy danych</a:t>
+            </a:r>
+            <a:r>
+              <a:rPr lang="pl-PL" sz="2100" dirty="0" smtClean="0"/>
+              <a:t/>
             </a:r>
             <a:br>
               <a:rPr lang="pl-PL" sz="2100" dirty="0" smtClean="0"/>
@@ -4003,6 +4272,193 @@
   <p:clrMapOvr>
     <a:masterClrMapping/>
   </p:clrMapOvr>
+  <p:timing>
+    <p:tnLst>
+      <p:par>
+        <p:cTn id="1" dur="indefinite" restart="never" nodeType="tmRoot"/>
+      </p:par>
+    </p:tnLst>
+  </p:timing>
+</p:sld>
+</file>
+
+<file path=ppt/slides/slide5.xml><?xml version="1.0" encoding="utf-8"?>
+<p:sld xmlns:a="http://schemas.openxmlformats.org/drawingml/2006/main" xmlns:r="http://schemas.openxmlformats.org/officeDocument/2006/relationships" xmlns:p="http://schemas.openxmlformats.org/presentationml/2006/main">
+  <p:cSld>
+    <p:spTree>
+      <p:nvGrpSpPr>
+        <p:cNvPr id="1" name=""/>
+        <p:cNvGrpSpPr/>
+        <p:nvPr/>
+      </p:nvGrpSpPr>
+      <p:grpSpPr>
+        <a:xfrm>
+          <a:off x="0" y="0"/>
+          <a:ext cx="0" cy="0"/>
+          <a:chOff x="0" y="0"/>
+          <a:chExt cx="0" cy="0"/>
+        </a:xfrm>
+      </p:grpSpPr>
+      <p:sp>
+        <p:nvSpPr>
+          <p:cNvPr id="4" name="Tytuł 3"/>
+          <p:cNvSpPr>
+            <a:spLocks noGrp="1"/>
+          </p:cNvSpPr>
+          <p:nvPr>
+            <p:ph type="title"/>
+          </p:nvPr>
+        </p:nvSpPr>
+        <p:spPr/>
+        <p:txBody>
+          <a:bodyPr/>
+          <a:lstStyle/>
+          <a:p>
+            <a:r>
+              <a:rPr lang="pl-PL" dirty="0" smtClean="0"/>
+              <a:t>Zapraszamy na prezentację naszego projektu</a:t>
+            </a:r>
+            <a:endParaRPr lang="pl-PL" dirty="0"/>
+          </a:p>
+        </p:txBody>
+      </p:sp>
+      <p:sp>
+        <p:nvSpPr>
+          <p:cNvPr id="5" name="Symbol zastępczy zawartości 4"/>
+          <p:cNvSpPr>
+            <a:spLocks noGrp="1"/>
+          </p:cNvSpPr>
+          <p:nvPr>
+            <p:ph idx="1"/>
+          </p:nvPr>
+        </p:nvSpPr>
+        <p:spPr/>
+        <p:txBody>
+          <a:bodyPr/>
+          <a:lstStyle/>
+          <a:p>
+            <a:r>
+              <a:rPr lang="pl-PL" dirty="0" smtClean="0"/>
+              <a:t>Projekt uczelni z trzema tabelami</a:t>
+            </a:r>
+          </a:p>
+          <a:p>
+            <a:pPr lvl="1">
+              <a:buFont typeface="Wingdings" panose="05000000000000000000" pitchFamily="2" charset="2"/>
+              <a:buChar char="§"/>
+            </a:pPr>
+            <a:r>
+              <a:rPr lang="pl-PL" dirty="0" smtClean="0"/>
+              <a:t>Tabela studenci (ID, imię, nazwisko)</a:t>
+            </a:r>
+          </a:p>
+          <a:p>
+            <a:pPr lvl="1">
+              <a:buFont typeface="Wingdings" panose="05000000000000000000" pitchFamily="2" charset="2"/>
+              <a:buChar char="§"/>
+            </a:pPr>
+            <a:r>
+              <a:rPr lang="pl-PL" dirty="0" smtClean="0"/>
+              <a:t>Tabela przedmiot (ID, nazwa przedmiotu, imię prowadzącego, nazwisko prowadzącego)</a:t>
+            </a:r>
+          </a:p>
+          <a:p>
+            <a:pPr lvl="1">
+              <a:buFont typeface="Wingdings" panose="05000000000000000000" pitchFamily="2" charset="2"/>
+              <a:buChar char="§"/>
+            </a:pPr>
+            <a:r>
+              <a:rPr lang="pl-PL" dirty="0" smtClean="0"/>
+              <a:t>Tabela oceny </a:t>
+            </a:r>
+            <a:r>
+              <a:rPr lang="pl-PL" dirty="0"/>
+              <a:t>(ID, nazwa </a:t>
+            </a:r>
+            <a:r>
+              <a:rPr lang="pl-PL" dirty="0" smtClean="0"/>
+              <a:t>przedmiotu, imię studenta, nazwisko studenta, ocena, </a:t>
+            </a:r>
+            <a:r>
+              <a:rPr lang="pl-PL" dirty="0"/>
+              <a:t>imię prowadzącego, nazwisko prowadzącego</a:t>
+            </a:r>
+            <a:r>
+              <a:rPr lang="pl-PL" dirty="0" smtClean="0"/>
+              <a:t>)</a:t>
+            </a:r>
+          </a:p>
+          <a:p>
+            <a:pPr lvl="0">
+              <a:buClr>
+                <a:srgbClr val="FF388C"/>
+              </a:buClr>
+            </a:pPr>
+            <a:r>
+              <a:rPr lang="pl-PL" dirty="0">
+                <a:solidFill>
+                  <a:prstClr val="white"/>
+                </a:solidFill>
+              </a:rPr>
+              <a:t>Projekt zrealizowany w C# z wykorzystaniem Windows </a:t>
+            </a:r>
+            <a:r>
+              <a:rPr lang="pl-PL" dirty="0" err="1">
+                <a:solidFill>
+                  <a:prstClr val="white"/>
+                </a:solidFill>
+              </a:rPr>
+              <a:t>Forms</a:t>
+            </a:r>
+            <a:endParaRPr lang="pl-PL" dirty="0">
+              <a:solidFill>
+                <a:prstClr val="white"/>
+              </a:solidFill>
+            </a:endParaRPr>
+          </a:p>
+          <a:p>
+            <a:pPr marL="537210" lvl="1" indent="0">
+              <a:buNone/>
+            </a:pPr>
+            <a:endParaRPr lang="pl-PL" dirty="0" smtClean="0"/>
+          </a:p>
+          <a:p>
+            <a:pPr lvl="1">
+              <a:buFont typeface="Courier New" panose="02070309020205020404" pitchFamily="49" charset="0"/>
+              <a:buChar char="o"/>
+            </a:pPr>
+            <a:endParaRPr lang="pl-PL" dirty="0" smtClean="0"/>
+          </a:p>
+          <a:p>
+            <a:pPr lvl="1"/>
+            <a:endParaRPr lang="pl-PL" dirty="0"/>
+          </a:p>
+          <a:p>
+            <a:pPr lvl="1">
+              <a:buFont typeface="Wingdings" panose="05000000000000000000" pitchFamily="2" charset="2"/>
+              <a:buChar char="§"/>
+            </a:pPr>
+            <a:endParaRPr lang="pl-PL" dirty="0"/>
+          </a:p>
+        </p:txBody>
+      </p:sp>
+    </p:spTree>
+    <p:extLst>
+      <p:ext uri="{BB962C8B-B14F-4D97-AF65-F5344CB8AC3E}">
+        <p14:creationId xmlns:p14="http://schemas.microsoft.com/office/powerpoint/2010/main" val="196140384"/>
+      </p:ext>
+    </p:extLst>
+  </p:cSld>
+  <p:clrMapOvr>
+    <a:masterClrMapping/>
+  </p:clrMapOvr>
+  <p:timing>
+    <p:tnLst>
+      <p:par>
+        <p:cTn id="1" dur="indefinite" restart="never" nodeType="tmRoot"/>
+      </p:par>
+    </p:tnLst>
+  </p:timing>
 </p:sld>
 </file>
 
